--- a/R Introduction.pptx
+++ b/R Introduction.pptx
@@ -52,6 +52,18 @@
     <p:sldId id="300" r:id="rId46"/>
     <p:sldId id="301" r:id="rId47"/>
     <p:sldId id="302" r:id="rId48"/>
+    <p:sldId id="303" r:id="rId49"/>
+    <p:sldId id="304" r:id="rId50"/>
+    <p:sldId id="305" r:id="rId51"/>
+    <p:sldId id="306" r:id="rId52"/>
+    <p:sldId id="307" r:id="rId53"/>
+    <p:sldId id="308" r:id="rId54"/>
+    <p:sldId id="314" r:id="rId55"/>
+    <p:sldId id="309" r:id="rId56"/>
+    <p:sldId id="310" r:id="rId57"/>
+    <p:sldId id="311" r:id="rId58"/>
+    <p:sldId id="312" r:id="rId59"/>
+    <p:sldId id="313" r:id="rId60"/>
   </p:sldIdLst>
   <p:sldSz cx="9144000" cy="6858000" type="screen4x3"/>
   <p:notesSz cx="6858000" cy="9144000"/>
@@ -297,7 +309,7 @@
             <a:fld id="{6F66FFBC-829F-4BB9-A85A-F822A7F29BAB}" type="datetimeFigureOut">
               <a:rPr lang="en-US" smtClean="0"/>
               <a:pPr/>
-              <a:t>15/12/2020</a:t>
+              <a:t>16/12/2020</a:t>
             </a:fld>
             <a:endParaRPr lang="en-US"/>
           </a:p>
@@ -658,7 +670,7 @@
             <a:fld id="{6F66FFBC-829F-4BB9-A85A-F822A7F29BAB}" type="datetimeFigureOut">
               <a:rPr lang="en-US" smtClean="0"/>
               <a:pPr/>
-              <a:t>15/12/2020</a:t>
+              <a:t>16/12/2020</a:t>
             </a:fld>
             <a:endParaRPr lang="en-US"/>
           </a:p>
@@ -835,7 +847,7 @@
             <a:fld id="{6F66FFBC-829F-4BB9-A85A-F822A7F29BAB}" type="datetimeFigureOut">
               <a:rPr lang="en-US" smtClean="0"/>
               <a:pPr/>
-              <a:t>15/12/2020</a:t>
+              <a:t>16/12/2020</a:t>
             </a:fld>
             <a:endParaRPr lang="en-US"/>
           </a:p>
@@ -1072,7 +1084,7 @@
             <a:fld id="{6F66FFBC-829F-4BB9-A85A-F822A7F29BAB}" type="datetimeFigureOut">
               <a:rPr lang="en-US" smtClean="0"/>
               <a:pPr/>
-              <a:t>15/12/2020</a:t>
+              <a:t>16/12/2020</a:t>
             </a:fld>
             <a:endParaRPr lang="en-US"/>
           </a:p>
@@ -1343,7 +1355,7 @@
             <a:fld id="{6F66FFBC-829F-4BB9-A85A-F822A7F29BAB}" type="datetimeFigureOut">
               <a:rPr lang="en-US" smtClean="0"/>
               <a:pPr/>
-              <a:t>15/12/2020</a:t>
+              <a:t>16/12/2020</a:t>
             </a:fld>
             <a:endParaRPr lang="en-US"/>
           </a:p>
@@ -1565,7 +1577,7 @@
             <a:fld id="{6F66FFBC-829F-4BB9-A85A-F822A7F29BAB}" type="datetimeFigureOut">
               <a:rPr lang="en-US" smtClean="0"/>
               <a:pPr/>
-              <a:t>15/12/2020</a:t>
+              <a:t>16/12/2020</a:t>
             </a:fld>
             <a:endParaRPr lang="en-US"/>
           </a:p>
@@ -1919,7 +1931,7 @@
             <a:fld id="{6F66FFBC-829F-4BB9-A85A-F822A7F29BAB}" type="datetimeFigureOut">
               <a:rPr lang="en-US" smtClean="0"/>
               <a:pPr/>
-              <a:t>15/12/2020</a:t>
+              <a:t>16/12/2020</a:t>
             </a:fld>
             <a:endParaRPr lang="en-US"/>
           </a:p>
@@ -2153,7 +2165,7 @@
             <a:fld id="{6F66FFBC-829F-4BB9-A85A-F822A7F29BAB}" type="datetimeFigureOut">
               <a:rPr lang="en-US" smtClean="0"/>
               <a:pPr/>
-              <a:t>15/12/2020</a:t>
+              <a:t>16/12/2020</a:t>
             </a:fld>
             <a:endParaRPr lang="en-US"/>
           </a:p>
@@ -2295,7 +2307,7 @@
             <a:fld id="{6F66FFBC-829F-4BB9-A85A-F822A7F29BAB}" type="datetimeFigureOut">
               <a:rPr lang="en-US" smtClean="0"/>
               <a:pPr/>
-              <a:t>15/12/2020</a:t>
+              <a:t>16/12/2020</a:t>
             </a:fld>
             <a:endParaRPr lang="en-US"/>
           </a:p>
@@ -2574,7 +2586,7 @@
             <a:fld id="{6F66FFBC-829F-4BB9-A85A-F822A7F29BAB}" type="datetimeFigureOut">
               <a:rPr lang="en-US" smtClean="0"/>
               <a:pPr/>
-              <a:t>15/12/2020</a:t>
+              <a:t>16/12/2020</a:t>
             </a:fld>
             <a:endParaRPr lang="en-US"/>
           </a:p>
@@ -2983,7 +2995,7 @@
             <a:fld id="{6F66FFBC-829F-4BB9-A85A-F822A7F29BAB}" type="datetimeFigureOut">
               <a:rPr lang="en-US" smtClean="0"/>
               <a:pPr/>
-              <a:t>15/12/2020</a:t>
+              <a:t>16/12/2020</a:t>
             </a:fld>
             <a:endParaRPr lang="en-US"/>
           </a:p>
@@ -3323,7 +3335,7 @@
             <a:fld id="{6F66FFBC-829F-4BB9-A85A-F822A7F29BAB}" type="datetimeFigureOut">
               <a:rPr lang="en-US" smtClean="0"/>
               <a:pPr/>
-              <a:t>15/12/2020</a:t>
+              <a:t>16/12/2020</a:t>
             </a:fld>
             <a:endParaRPr lang="en-US"/>
           </a:p>
@@ -10418,6 +10430,266 @@
   <p:clrMapOvr>
     <a:masterClrMapping/>
   </p:clrMapOvr>
+  <p:timing>
+    <p:tnLst>
+      <p:par>
+        <p:cTn id="1" dur="indefinite" restart="never" nodeType="tmRoot"/>
+      </p:par>
+    </p:tnLst>
+  </p:timing>
+</p:sld>
+</file>
+
+<file path=ppt/slides/slide48.xml><?xml version="1.0" encoding="utf-8"?>
+<p:sld xmlns:a="http://schemas.openxmlformats.org/drawingml/2006/main" xmlns:r="http://schemas.openxmlformats.org/officeDocument/2006/relationships" xmlns:p="http://schemas.openxmlformats.org/presentationml/2006/main">
+  <p:cSld>
+    <p:spTree>
+      <p:nvGrpSpPr>
+        <p:cNvPr id="1" name=""/>
+        <p:cNvGrpSpPr/>
+        <p:nvPr/>
+      </p:nvGrpSpPr>
+      <p:grpSpPr>
+        <a:xfrm>
+          <a:off x="0" y="0"/>
+          <a:ext cx="0" cy="0"/>
+          <a:chOff x="0" y="0"/>
+          <a:chExt cx="0" cy="0"/>
+        </a:xfrm>
+      </p:grpSpPr>
+      <p:sp>
+        <p:nvSpPr>
+          <p:cNvPr id="2" name="Title 1"/>
+          <p:cNvSpPr>
+            <a:spLocks noGrp="1"/>
+          </p:cNvSpPr>
+          <p:nvPr>
+            <p:ph type="title"/>
+          </p:nvPr>
+        </p:nvSpPr>
+        <p:spPr/>
+        <p:txBody>
+          <a:bodyPr/>
+          <a:lstStyle/>
+          <a:p>
+            <a:r>
+              <a:rPr lang="en-US" dirty="0" smtClean="0"/>
+              <a:t>Loop on R</a:t>
+            </a:r>
+            <a:endParaRPr lang="en-US" dirty="0"/>
+          </a:p>
+        </p:txBody>
+      </p:sp>
+      <p:sp>
+        <p:nvSpPr>
+          <p:cNvPr id="3" name="Content Placeholder 2"/>
+          <p:cNvSpPr>
+            <a:spLocks noGrp="1"/>
+          </p:cNvSpPr>
+          <p:nvPr>
+            <p:ph sz="quarter" idx="1"/>
+          </p:nvPr>
+        </p:nvSpPr>
+        <p:spPr/>
+        <p:txBody>
+          <a:bodyPr/>
+          <a:lstStyle/>
+          <a:p>
+            <a:r>
+              <a:rPr lang="en-US" dirty="0" smtClean="0"/>
+              <a:t>It is used to repeat data on the basis of range.</a:t>
+            </a:r>
+          </a:p>
+          <a:p>
+            <a:r>
+              <a:rPr lang="en-US" dirty="0" smtClean="0"/>
+              <a:t>1) Repeat</a:t>
+            </a:r>
+          </a:p>
+          <a:p>
+            <a:r>
+              <a:rPr lang="en-US" dirty="0" smtClean="0"/>
+              <a:t>2) While</a:t>
+            </a:r>
+          </a:p>
+          <a:p>
+            <a:r>
+              <a:rPr lang="en-US" dirty="0" smtClean="0"/>
+              <a:t>3) For</a:t>
+            </a:r>
+            <a:endParaRPr lang="en-US" dirty="0"/>
+          </a:p>
+        </p:txBody>
+      </p:sp>
+    </p:spTree>
+  </p:cSld>
+  <p:clrMapOvr>
+    <a:masterClrMapping/>
+  </p:clrMapOvr>
+  <p:timing>
+    <p:tnLst>
+      <p:par>
+        <p:cTn id="1" dur="indefinite" restart="never" nodeType="tmRoot"/>
+      </p:par>
+    </p:tnLst>
+  </p:timing>
+</p:sld>
+</file>
+
+<file path=ppt/slides/slide49.xml><?xml version="1.0" encoding="utf-8"?>
+<p:sld xmlns:a="http://schemas.openxmlformats.org/drawingml/2006/main" xmlns:r="http://schemas.openxmlformats.org/officeDocument/2006/relationships" xmlns:p="http://schemas.openxmlformats.org/presentationml/2006/main">
+  <p:cSld>
+    <p:spTree>
+      <p:nvGrpSpPr>
+        <p:cNvPr id="1" name=""/>
+        <p:cNvGrpSpPr/>
+        <p:nvPr/>
+      </p:nvGrpSpPr>
+      <p:grpSpPr>
+        <a:xfrm>
+          <a:off x="0" y="0"/>
+          <a:ext cx="0" cy="0"/>
+          <a:chOff x="0" y="0"/>
+          <a:chExt cx="0" cy="0"/>
+        </a:xfrm>
+      </p:grpSpPr>
+      <p:sp>
+        <p:nvSpPr>
+          <p:cNvPr id="2" name="Title 1"/>
+          <p:cNvSpPr>
+            <a:spLocks noGrp="1"/>
+          </p:cNvSpPr>
+          <p:nvPr>
+            <p:ph type="title"/>
+          </p:nvPr>
+        </p:nvSpPr>
+        <p:spPr/>
+        <p:txBody>
+          <a:bodyPr/>
+          <a:lstStyle/>
+          <a:p>
+            <a:r>
+              <a:rPr lang="en-US" dirty="0" smtClean="0"/>
+              <a:t>Repeat Loop</a:t>
+            </a:r>
+            <a:endParaRPr lang="en-US" dirty="0"/>
+          </a:p>
+        </p:txBody>
+      </p:sp>
+      <p:sp>
+        <p:nvSpPr>
+          <p:cNvPr id="3" name="Content Placeholder 2"/>
+          <p:cNvSpPr>
+            <a:spLocks noGrp="1"/>
+          </p:cNvSpPr>
+          <p:nvPr>
+            <p:ph sz="quarter" idx="1"/>
+          </p:nvPr>
+        </p:nvSpPr>
+        <p:spPr/>
+        <p:txBody>
+          <a:bodyPr/>
+          <a:lstStyle/>
+          <a:p>
+            <a:r>
+              <a:rPr lang="en-US" dirty="0" smtClean="0"/>
+              <a:t>The </a:t>
+            </a:r>
+            <a:r>
+              <a:rPr lang="en-US" b="1" dirty="0" smtClean="0"/>
+              <a:t>Repeat loop</a:t>
+            </a:r>
+            <a:r>
+              <a:rPr lang="en-US" dirty="0" smtClean="0"/>
+              <a:t> executes the same code again and again until a stop condition is met.</a:t>
+            </a:r>
+          </a:p>
+          <a:p>
+            <a:r>
+              <a:rPr lang="en-US" dirty="0" smtClean="0"/>
+              <a:t>Syntax</a:t>
+            </a:r>
+          </a:p>
+          <a:p>
+            <a:r>
+              <a:rPr lang="en-US" dirty="0" smtClean="0"/>
+              <a:t>The basic syntax for creating a repeat loop in R is −</a:t>
+            </a:r>
+          </a:p>
+          <a:p>
+            <a:r>
+              <a:rPr lang="en-US" dirty="0" smtClean="0"/>
+              <a:t>repeat </a:t>
+            </a:r>
+            <a:endParaRPr lang="en-US" dirty="0" smtClean="0"/>
+          </a:p>
+          <a:p>
+            <a:r>
+              <a:rPr lang="en-US" dirty="0" smtClean="0"/>
+              <a:t>{</a:t>
+            </a:r>
+          </a:p>
+          <a:p>
+            <a:r>
+              <a:rPr lang="en-US" dirty="0" smtClean="0"/>
+              <a:t> </a:t>
+            </a:r>
+            <a:r>
+              <a:rPr lang="en-US" dirty="0" smtClean="0"/>
+              <a:t>commands </a:t>
+            </a:r>
+            <a:endParaRPr lang="en-US" dirty="0" smtClean="0"/>
+          </a:p>
+          <a:p>
+            <a:r>
+              <a:rPr lang="en-US" dirty="0" smtClean="0"/>
+              <a:t>if(condition</a:t>
+            </a:r>
+            <a:r>
+              <a:rPr lang="en-US" dirty="0" smtClean="0"/>
+              <a:t>) </a:t>
+            </a:r>
+            <a:endParaRPr lang="en-US" dirty="0" smtClean="0"/>
+          </a:p>
+          <a:p>
+            <a:r>
+              <a:rPr lang="en-US" dirty="0" smtClean="0"/>
+              <a:t>{ </a:t>
+            </a:r>
+            <a:r>
+              <a:rPr lang="en-US" dirty="0" smtClean="0"/>
+              <a:t>break </a:t>
+            </a:r>
+            <a:r>
+              <a:rPr lang="en-US" dirty="0" smtClean="0"/>
+              <a:t>}</a:t>
+            </a:r>
+          </a:p>
+          <a:p>
+            <a:r>
+              <a:rPr lang="en-US" dirty="0" smtClean="0"/>
+              <a:t> </a:t>
+            </a:r>
+            <a:r>
+              <a:rPr lang="en-US" dirty="0" smtClean="0"/>
+              <a:t>}</a:t>
+            </a:r>
+            <a:endParaRPr lang="en-US" dirty="0"/>
+          </a:p>
+        </p:txBody>
+      </p:sp>
+    </p:spTree>
+  </p:cSld>
+  <p:clrMapOvr>
+    <a:masterClrMapping/>
+  </p:clrMapOvr>
+  <p:timing>
+    <p:tnLst>
+      <p:par>
+        <p:cTn id="1" dur="indefinite" restart="never" nodeType="tmRoot"/>
+      </p:par>
+    </p:tnLst>
+  </p:timing>
 </p:sld>
 </file>
 
@@ -10492,6 +10764,1202 @@
             </a:r>
           </a:p>
           <a:p>
+            <a:endParaRPr lang="en-US" dirty="0"/>
+          </a:p>
+        </p:txBody>
+      </p:sp>
+    </p:spTree>
+  </p:cSld>
+  <p:clrMapOvr>
+    <a:masterClrMapping/>
+  </p:clrMapOvr>
+  <p:timing>
+    <p:tnLst>
+      <p:par>
+        <p:cTn id="1" dur="indefinite" restart="never" nodeType="tmRoot"/>
+      </p:par>
+    </p:tnLst>
+  </p:timing>
+</p:sld>
+</file>
+
+<file path=ppt/slides/slide50.xml><?xml version="1.0" encoding="utf-8"?>
+<p:sld xmlns:a="http://schemas.openxmlformats.org/drawingml/2006/main" xmlns:r="http://schemas.openxmlformats.org/officeDocument/2006/relationships" xmlns:p="http://schemas.openxmlformats.org/presentationml/2006/main">
+  <p:cSld>
+    <p:spTree>
+      <p:nvGrpSpPr>
+        <p:cNvPr id="1" name=""/>
+        <p:cNvGrpSpPr/>
+        <p:nvPr/>
+      </p:nvGrpSpPr>
+      <p:grpSpPr>
+        <a:xfrm>
+          <a:off x="0" y="0"/>
+          <a:ext cx="0" cy="0"/>
+          <a:chOff x="0" y="0"/>
+          <a:chExt cx="0" cy="0"/>
+        </a:xfrm>
+      </p:grpSpPr>
+      <p:sp>
+        <p:nvSpPr>
+          <p:cNvPr id="2" name="Title 1"/>
+          <p:cNvSpPr>
+            <a:spLocks noGrp="1"/>
+          </p:cNvSpPr>
+          <p:nvPr>
+            <p:ph type="title"/>
+          </p:nvPr>
+        </p:nvSpPr>
+        <p:spPr/>
+        <p:txBody>
+          <a:bodyPr/>
+          <a:lstStyle/>
+          <a:p>
+            <a:r>
+              <a:rPr lang="en-US" dirty="0" smtClean="0"/>
+              <a:t>EXAMPLE OF Repeat Loop</a:t>
+            </a:r>
+            <a:endParaRPr lang="en-US" dirty="0"/>
+          </a:p>
+        </p:txBody>
+      </p:sp>
+      <p:sp>
+        <p:nvSpPr>
+          <p:cNvPr id="3" name="Content Placeholder 2"/>
+          <p:cNvSpPr>
+            <a:spLocks noGrp="1"/>
+          </p:cNvSpPr>
+          <p:nvPr>
+            <p:ph sz="quarter" idx="1"/>
+          </p:nvPr>
+        </p:nvSpPr>
+        <p:spPr/>
+        <p:txBody>
+          <a:bodyPr/>
+          <a:lstStyle/>
+          <a:p>
+            <a:r>
+              <a:rPr lang="en-US" dirty="0" smtClean="0"/>
+              <a:t>v </a:t>
+            </a:r>
+            <a:r>
+              <a:rPr lang="en-US" dirty="0" smtClean="0"/>
+              <a:t>&lt;- c("</a:t>
+            </a:r>
+            <a:r>
+              <a:rPr lang="en-US" dirty="0" err="1" smtClean="0"/>
+              <a:t>Hello","loop</a:t>
+            </a:r>
+            <a:r>
+              <a:rPr lang="en-US" dirty="0" smtClean="0"/>
+              <a:t>")</a:t>
+            </a:r>
+          </a:p>
+          <a:p>
+            <a:r>
+              <a:rPr lang="en-US" dirty="0" smtClean="0"/>
+              <a:t> </a:t>
+            </a:r>
+            <a:r>
+              <a:rPr lang="en-US" dirty="0" err="1" smtClean="0"/>
+              <a:t>cnt</a:t>
+            </a:r>
+            <a:r>
+              <a:rPr lang="en-US" dirty="0" smtClean="0"/>
+              <a:t> &lt;- 2 </a:t>
+            </a:r>
+            <a:endParaRPr lang="en-US" dirty="0" smtClean="0"/>
+          </a:p>
+          <a:p>
+            <a:r>
+              <a:rPr lang="en-US" dirty="0" smtClean="0"/>
+              <a:t>repeat {</a:t>
+            </a:r>
+          </a:p>
+          <a:p>
+            <a:r>
+              <a:rPr lang="en-US" dirty="0" smtClean="0"/>
+              <a:t> </a:t>
+            </a:r>
+            <a:r>
+              <a:rPr lang="en-US" dirty="0" smtClean="0"/>
+              <a:t>print(v) </a:t>
+            </a:r>
+            <a:endParaRPr lang="en-US" dirty="0" smtClean="0"/>
+          </a:p>
+          <a:p>
+            <a:r>
+              <a:rPr lang="en-US" dirty="0" err="1" smtClean="0"/>
+              <a:t>cnt</a:t>
+            </a:r>
+            <a:r>
+              <a:rPr lang="en-US" dirty="0" smtClean="0"/>
+              <a:t> </a:t>
+            </a:r>
+            <a:r>
+              <a:rPr lang="en-US" dirty="0" smtClean="0"/>
+              <a:t>&lt;- </a:t>
+            </a:r>
+            <a:r>
+              <a:rPr lang="en-US" dirty="0" smtClean="0"/>
+              <a:t>cnt+1</a:t>
+            </a:r>
+          </a:p>
+          <a:p>
+            <a:r>
+              <a:rPr lang="en-US" dirty="0" smtClean="0"/>
+              <a:t> </a:t>
+            </a:r>
+            <a:r>
+              <a:rPr lang="en-US" dirty="0" smtClean="0"/>
+              <a:t>if(</a:t>
+            </a:r>
+            <a:r>
+              <a:rPr lang="en-US" dirty="0" err="1" smtClean="0"/>
+              <a:t>cnt</a:t>
+            </a:r>
+            <a:r>
+              <a:rPr lang="en-US" dirty="0" smtClean="0"/>
+              <a:t> &gt; 5) { </a:t>
+            </a:r>
+            <a:endParaRPr lang="en-US" dirty="0" smtClean="0"/>
+          </a:p>
+          <a:p>
+            <a:r>
+              <a:rPr lang="en-US" dirty="0" smtClean="0"/>
+              <a:t>break </a:t>
+            </a:r>
+          </a:p>
+          <a:p>
+            <a:r>
+              <a:rPr lang="en-US" dirty="0" smtClean="0"/>
+              <a:t>}</a:t>
+            </a:r>
+            <a:endParaRPr lang="en-US" dirty="0"/>
+          </a:p>
+        </p:txBody>
+      </p:sp>
+    </p:spTree>
+  </p:cSld>
+  <p:clrMapOvr>
+    <a:masterClrMapping/>
+  </p:clrMapOvr>
+  <p:timing>
+    <p:tnLst>
+      <p:par>
+        <p:cTn id="1" dur="indefinite" restart="never" nodeType="tmRoot"/>
+      </p:par>
+    </p:tnLst>
+  </p:timing>
+</p:sld>
+</file>
+
+<file path=ppt/slides/slide51.xml><?xml version="1.0" encoding="utf-8"?>
+<p:sld xmlns:a="http://schemas.openxmlformats.org/drawingml/2006/main" xmlns:r="http://schemas.openxmlformats.org/officeDocument/2006/relationships" xmlns:p="http://schemas.openxmlformats.org/presentationml/2006/main">
+  <p:cSld>
+    <p:spTree>
+      <p:nvGrpSpPr>
+        <p:cNvPr id="1" name=""/>
+        <p:cNvGrpSpPr/>
+        <p:nvPr/>
+      </p:nvGrpSpPr>
+      <p:grpSpPr>
+        <a:xfrm>
+          <a:off x="0" y="0"/>
+          <a:ext cx="0" cy="0"/>
+          <a:chOff x="0" y="0"/>
+          <a:chExt cx="0" cy="0"/>
+        </a:xfrm>
+      </p:grpSpPr>
+      <p:sp>
+        <p:nvSpPr>
+          <p:cNvPr id="2" name="Title 1"/>
+          <p:cNvSpPr>
+            <a:spLocks noGrp="1"/>
+          </p:cNvSpPr>
+          <p:nvPr>
+            <p:ph type="title"/>
+          </p:nvPr>
+        </p:nvSpPr>
+        <p:spPr/>
+        <p:txBody>
+          <a:bodyPr>
+            <a:normAutofit fontScale="90000"/>
+          </a:bodyPr>
+          <a:lstStyle/>
+          <a:p>
+            <a:r>
+              <a:rPr lang="en-US" dirty="0" smtClean="0"/>
+              <a:t>R - While Loop</a:t>
+            </a:r>
+            <a:br>
+              <a:rPr lang="en-US" dirty="0" smtClean="0"/>
+            </a:br>
+            <a:endParaRPr lang="en-US" dirty="0"/>
+          </a:p>
+        </p:txBody>
+      </p:sp>
+      <p:sp>
+        <p:nvSpPr>
+          <p:cNvPr id="3" name="Content Placeholder 2"/>
+          <p:cNvSpPr>
+            <a:spLocks noGrp="1"/>
+          </p:cNvSpPr>
+          <p:nvPr>
+            <p:ph sz="quarter" idx="1"/>
+          </p:nvPr>
+        </p:nvSpPr>
+        <p:spPr/>
+        <p:txBody>
+          <a:bodyPr/>
+          <a:lstStyle/>
+          <a:p>
+            <a:r>
+              <a:rPr lang="en-US" dirty="0" smtClean="0"/>
+              <a:t>The While loop executes the same code again and again until </a:t>
+            </a:r>
+            <a:r>
+              <a:rPr lang="en-US" dirty="0" smtClean="0"/>
+              <a:t>a </a:t>
+            </a:r>
+            <a:r>
+              <a:rPr lang="en-US" dirty="0" smtClean="0"/>
+              <a:t>stop condition is met</a:t>
+            </a:r>
+            <a:r>
+              <a:rPr lang="en-US" dirty="0" smtClean="0"/>
+              <a:t>.</a:t>
+            </a:r>
+          </a:p>
+          <a:p>
+            <a:endParaRPr lang="en-US" dirty="0" smtClean="0"/>
+          </a:p>
+          <a:p>
+            <a:r>
+              <a:rPr lang="en-US" dirty="0" smtClean="0"/>
+              <a:t>Syntax</a:t>
+            </a:r>
+          </a:p>
+          <a:p>
+            <a:r>
+              <a:rPr lang="en-US" dirty="0" smtClean="0"/>
+              <a:t>The basic syntax for creating a while loop in R is −</a:t>
+            </a:r>
+          </a:p>
+          <a:p>
+            <a:r>
+              <a:rPr lang="en-US" dirty="0" smtClean="0"/>
+              <a:t>while (</a:t>
+            </a:r>
+            <a:r>
+              <a:rPr lang="en-US" dirty="0" err="1" smtClean="0"/>
+              <a:t>test_expression</a:t>
+            </a:r>
+            <a:r>
+              <a:rPr lang="en-US" dirty="0" smtClean="0"/>
+              <a:t>) </a:t>
+            </a:r>
+            <a:endParaRPr lang="en-US" dirty="0" smtClean="0"/>
+          </a:p>
+          <a:p>
+            <a:r>
+              <a:rPr lang="en-US" dirty="0" smtClean="0"/>
+              <a:t>{ </a:t>
+            </a:r>
+          </a:p>
+          <a:p>
+            <a:r>
+              <a:rPr lang="en-US" dirty="0" smtClean="0"/>
+              <a:t>statement </a:t>
+            </a:r>
+          </a:p>
+          <a:p>
+            <a:r>
+              <a:rPr lang="en-US" dirty="0" smtClean="0"/>
+              <a:t>}</a:t>
+            </a:r>
+            <a:endParaRPr lang="en-US" dirty="0"/>
+          </a:p>
+        </p:txBody>
+      </p:sp>
+    </p:spTree>
+  </p:cSld>
+  <p:clrMapOvr>
+    <a:masterClrMapping/>
+  </p:clrMapOvr>
+  <p:timing>
+    <p:tnLst>
+      <p:par>
+        <p:cTn id="1" dur="indefinite" restart="never" nodeType="tmRoot"/>
+      </p:par>
+    </p:tnLst>
+  </p:timing>
+</p:sld>
+</file>
+
+<file path=ppt/slides/slide52.xml><?xml version="1.0" encoding="utf-8"?>
+<p:sld xmlns:a="http://schemas.openxmlformats.org/drawingml/2006/main" xmlns:r="http://schemas.openxmlformats.org/officeDocument/2006/relationships" xmlns:p="http://schemas.openxmlformats.org/presentationml/2006/main">
+  <p:cSld>
+    <p:spTree>
+      <p:nvGrpSpPr>
+        <p:cNvPr id="1" name=""/>
+        <p:cNvGrpSpPr/>
+        <p:nvPr/>
+      </p:nvGrpSpPr>
+      <p:grpSpPr>
+        <a:xfrm>
+          <a:off x="0" y="0"/>
+          <a:ext cx="0" cy="0"/>
+          <a:chOff x="0" y="0"/>
+          <a:chExt cx="0" cy="0"/>
+        </a:xfrm>
+      </p:grpSpPr>
+      <p:sp>
+        <p:nvSpPr>
+          <p:cNvPr id="2" name="Title 1"/>
+          <p:cNvSpPr>
+            <a:spLocks noGrp="1"/>
+          </p:cNvSpPr>
+          <p:nvPr>
+            <p:ph type="title"/>
+          </p:nvPr>
+        </p:nvSpPr>
+        <p:spPr/>
+        <p:txBody>
+          <a:bodyPr/>
+          <a:lstStyle/>
+          <a:p>
+            <a:r>
+              <a:rPr lang="en-US" dirty="0" smtClean="0"/>
+              <a:t>For Loop</a:t>
+            </a:r>
+            <a:endParaRPr lang="en-US" dirty="0"/>
+          </a:p>
+        </p:txBody>
+      </p:sp>
+      <p:sp>
+        <p:nvSpPr>
+          <p:cNvPr id="3" name="Content Placeholder 2"/>
+          <p:cNvSpPr>
+            <a:spLocks noGrp="1"/>
+          </p:cNvSpPr>
+          <p:nvPr>
+            <p:ph sz="quarter" idx="1"/>
+          </p:nvPr>
+        </p:nvSpPr>
+        <p:spPr/>
+        <p:txBody>
+          <a:bodyPr/>
+          <a:lstStyle/>
+          <a:p>
+            <a:r>
+              <a:rPr lang="en-US" dirty="0" smtClean="0"/>
+              <a:t>A </a:t>
+            </a:r>
+            <a:r>
+              <a:rPr lang="en-US" b="1" dirty="0" smtClean="0"/>
+              <a:t>For loop</a:t>
+            </a:r>
+            <a:r>
+              <a:rPr lang="en-US" dirty="0" smtClean="0"/>
+              <a:t> is a repetition control structure that allows you to efficiently write a loop that needs to execute a specific number of times</a:t>
+            </a:r>
+            <a:r>
+              <a:rPr lang="en-US" dirty="0" smtClean="0"/>
+              <a:t>.</a:t>
+            </a:r>
+          </a:p>
+          <a:p>
+            <a:endParaRPr lang="en-US" dirty="0" smtClean="0"/>
+          </a:p>
+          <a:p>
+            <a:r>
+              <a:rPr lang="en-US" dirty="0" smtClean="0"/>
+              <a:t>Syntax</a:t>
+            </a:r>
+          </a:p>
+          <a:p>
+            <a:r>
+              <a:rPr lang="en-US" dirty="0" smtClean="0"/>
+              <a:t>The basic syntax for creating a </a:t>
+            </a:r>
+            <a:r>
+              <a:rPr lang="en-US" b="1" dirty="0" smtClean="0"/>
+              <a:t>for</a:t>
+            </a:r>
+            <a:r>
+              <a:rPr lang="en-US" dirty="0" smtClean="0"/>
+              <a:t> loop statement in R is −</a:t>
+            </a:r>
+          </a:p>
+          <a:p>
+            <a:r>
+              <a:rPr lang="en-US" dirty="0" smtClean="0"/>
+              <a:t>for (value in vector) { statements }</a:t>
+            </a:r>
+            <a:endParaRPr lang="en-US" dirty="0"/>
+          </a:p>
+        </p:txBody>
+      </p:sp>
+    </p:spTree>
+  </p:cSld>
+  <p:clrMapOvr>
+    <a:masterClrMapping/>
+  </p:clrMapOvr>
+  <p:timing>
+    <p:tnLst>
+      <p:par>
+        <p:cTn id="1" dur="indefinite" restart="never" nodeType="tmRoot"/>
+      </p:par>
+    </p:tnLst>
+  </p:timing>
+</p:sld>
+</file>
+
+<file path=ppt/slides/slide53.xml><?xml version="1.0" encoding="utf-8"?>
+<p:sld xmlns:a="http://schemas.openxmlformats.org/drawingml/2006/main" xmlns:r="http://schemas.openxmlformats.org/officeDocument/2006/relationships" xmlns:p="http://schemas.openxmlformats.org/presentationml/2006/main">
+  <p:cSld>
+    <p:spTree>
+      <p:nvGrpSpPr>
+        <p:cNvPr id="1" name=""/>
+        <p:cNvGrpSpPr/>
+        <p:nvPr/>
+      </p:nvGrpSpPr>
+      <p:grpSpPr>
+        <a:xfrm>
+          <a:off x="0" y="0"/>
+          <a:ext cx="0" cy="0"/>
+          <a:chOff x="0" y="0"/>
+          <a:chExt cx="0" cy="0"/>
+        </a:xfrm>
+      </p:grpSpPr>
+      <p:sp>
+        <p:nvSpPr>
+          <p:cNvPr id="2" name="Title 1"/>
+          <p:cNvSpPr>
+            <a:spLocks noGrp="1"/>
+          </p:cNvSpPr>
+          <p:nvPr>
+            <p:ph type="title"/>
+          </p:nvPr>
+        </p:nvSpPr>
+        <p:spPr/>
+        <p:txBody>
+          <a:bodyPr/>
+          <a:lstStyle/>
+          <a:p>
+            <a:r>
+              <a:rPr lang="en-US" dirty="0" err="1" smtClean="0"/>
+              <a:t>ExaMPLE</a:t>
+            </a:r>
+            <a:r>
+              <a:rPr lang="en-US" dirty="0" smtClean="0"/>
+              <a:t> OF FOR</a:t>
+            </a:r>
+            <a:endParaRPr lang="en-US" dirty="0"/>
+          </a:p>
+        </p:txBody>
+      </p:sp>
+      <p:sp>
+        <p:nvSpPr>
+          <p:cNvPr id="3" name="Content Placeholder 2"/>
+          <p:cNvSpPr>
+            <a:spLocks noGrp="1"/>
+          </p:cNvSpPr>
+          <p:nvPr>
+            <p:ph sz="quarter" idx="1"/>
+          </p:nvPr>
+        </p:nvSpPr>
+        <p:spPr/>
+        <p:txBody>
+          <a:bodyPr/>
+          <a:lstStyle/>
+          <a:p>
+            <a:r>
+              <a:rPr lang="en-US" dirty="0" smtClean="0"/>
+              <a:t>v </a:t>
+            </a:r>
+            <a:r>
+              <a:rPr lang="en-US" dirty="0" smtClean="0"/>
+              <a:t>&lt;- LETTERS[1:4] </a:t>
+            </a:r>
+            <a:endParaRPr lang="en-US" dirty="0" smtClean="0"/>
+          </a:p>
+          <a:p>
+            <a:r>
+              <a:rPr lang="en-US" dirty="0" smtClean="0"/>
+              <a:t>for </a:t>
+            </a:r>
+            <a:r>
+              <a:rPr lang="en-US" dirty="0" smtClean="0"/>
+              <a:t>( </a:t>
+            </a:r>
+            <a:r>
+              <a:rPr lang="en-US" dirty="0" err="1" smtClean="0"/>
+              <a:t>i</a:t>
+            </a:r>
+            <a:r>
+              <a:rPr lang="en-US" dirty="0" smtClean="0"/>
+              <a:t> in v) { print(</a:t>
+            </a:r>
+            <a:r>
+              <a:rPr lang="en-US" dirty="0" err="1" smtClean="0"/>
+              <a:t>i</a:t>
+            </a:r>
+            <a:r>
+              <a:rPr lang="en-US" dirty="0" smtClean="0"/>
+              <a:t>) }</a:t>
+            </a:r>
+            <a:endParaRPr lang="en-US" dirty="0"/>
+          </a:p>
+        </p:txBody>
+      </p:sp>
+    </p:spTree>
+  </p:cSld>
+  <p:clrMapOvr>
+    <a:masterClrMapping/>
+  </p:clrMapOvr>
+</p:sld>
+</file>
+
+<file path=ppt/slides/slide54.xml><?xml version="1.0" encoding="utf-8"?>
+<p:sld xmlns:a="http://schemas.openxmlformats.org/drawingml/2006/main" xmlns:r="http://schemas.openxmlformats.org/officeDocument/2006/relationships" xmlns:p="http://schemas.openxmlformats.org/presentationml/2006/main">
+  <p:cSld>
+    <p:spTree>
+      <p:nvGrpSpPr>
+        <p:cNvPr id="1" name=""/>
+        <p:cNvGrpSpPr/>
+        <p:nvPr/>
+      </p:nvGrpSpPr>
+      <p:grpSpPr>
+        <a:xfrm>
+          <a:off x="0" y="0"/>
+          <a:ext cx="0" cy="0"/>
+          <a:chOff x="0" y="0"/>
+          <a:chExt cx="0" cy="0"/>
+        </a:xfrm>
+      </p:grpSpPr>
+      <p:sp>
+        <p:nvSpPr>
+          <p:cNvPr id="2" name="Title 1"/>
+          <p:cNvSpPr>
+            <a:spLocks noGrp="1"/>
+          </p:cNvSpPr>
+          <p:nvPr>
+            <p:ph type="title"/>
+          </p:nvPr>
+        </p:nvSpPr>
+        <p:spPr/>
+        <p:txBody>
+          <a:bodyPr/>
+          <a:lstStyle/>
+          <a:p>
+            <a:r>
+              <a:rPr lang="en-US" dirty="0" smtClean="0"/>
+              <a:t>ASSIGNMENTS OF LOOP</a:t>
+            </a:r>
+            <a:endParaRPr lang="en-US" dirty="0"/>
+          </a:p>
+        </p:txBody>
+      </p:sp>
+      <p:sp>
+        <p:nvSpPr>
+          <p:cNvPr id="3" name="Content Placeholder 2"/>
+          <p:cNvSpPr>
+            <a:spLocks noGrp="1"/>
+          </p:cNvSpPr>
+          <p:nvPr>
+            <p:ph sz="quarter" idx="1"/>
+          </p:nvPr>
+        </p:nvSpPr>
+        <p:spPr/>
+        <p:txBody>
+          <a:bodyPr/>
+          <a:lstStyle/>
+          <a:p>
+            <a:r>
+              <a:rPr lang="en-US" dirty="0" smtClean="0"/>
+              <a:t>1)  WAP to reverse five digit number?</a:t>
+            </a:r>
+          </a:p>
+          <a:p>
+            <a:r>
+              <a:rPr lang="en-US" dirty="0" smtClean="0"/>
+              <a:t>2) WAP to display 1 to 5, 5 to 1 again 1 to 5 and 5 to 1 taking single while loop?</a:t>
+            </a:r>
+          </a:p>
+          <a:p>
+            <a:r>
+              <a:rPr lang="en-US" dirty="0" smtClean="0"/>
+              <a:t>3) WAP to display square and cube of one digit positive number</a:t>
+            </a:r>
+          </a:p>
+          <a:p>
+            <a:r>
+              <a:rPr lang="en-US" dirty="0" smtClean="0"/>
+              <a:t>4) WAP to calculate area of triangle where base is fixed but height will  vary from 1 to 25</a:t>
+            </a:r>
+          </a:p>
+          <a:p>
+            <a:r>
+              <a:rPr lang="en-US" dirty="0" smtClean="0"/>
+              <a:t>5) WAP_ to display Array and Matrices using for loop?</a:t>
+            </a:r>
+          </a:p>
+          <a:p>
+            <a:r>
+              <a:rPr lang="en-US" dirty="0" smtClean="0"/>
+              <a:t>6) WAP to display A to Z and a to z using single while loop?</a:t>
+            </a:r>
+          </a:p>
+          <a:p>
+            <a:endParaRPr lang="en-US" dirty="0"/>
+          </a:p>
+        </p:txBody>
+      </p:sp>
+    </p:spTree>
+  </p:cSld>
+  <p:clrMapOvr>
+    <a:masterClrMapping/>
+  </p:clrMapOvr>
+</p:sld>
+</file>
+
+<file path=ppt/slides/slide55.xml><?xml version="1.0" encoding="utf-8"?>
+<p:sld xmlns:a="http://schemas.openxmlformats.org/drawingml/2006/main" xmlns:r="http://schemas.openxmlformats.org/officeDocument/2006/relationships" xmlns:p="http://schemas.openxmlformats.org/presentationml/2006/main">
+  <p:cSld>
+    <p:spTree>
+      <p:nvGrpSpPr>
+        <p:cNvPr id="1" name=""/>
+        <p:cNvGrpSpPr/>
+        <p:nvPr/>
+      </p:nvGrpSpPr>
+      <p:grpSpPr>
+        <a:xfrm>
+          <a:off x="0" y="0"/>
+          <a:ext cx="0" cy="0"/>
+          <a:chOff x="0" y="0"/>
+          <a:chExt cx="0" cy="0"/>
+        </a:xfrm>
+      </p:grpSpPr>
+      <p:sp>
+        <p:nvSpPr>
+          <p:cNvPr id="2" name="Title 1"/>
+          <p:cNvSpPr>
+            <a:spLocks noGrp="1"/>
+          </p:cNvSpPr>
+          <p:nvPr>
+            <p:ph type="title"/>
+          </p:nvPr>
+        </p:nvSpPr>
+        <p:spPr/>
+        <p:txBody>
+          <a:bodyPr>
+            <a:normAutofit fontScale="90000"/>
+          </a:bodyPr>
+          <a:lstStyle/>
+          <a:p>
+            <a:r>
+              <a:rPr lang="en-US" dirty="0" smtClean="0"/>
+              <a:t>Loop Control Statements</a:t>
+            </a:r>
+            <a:br>
+              <a:rPr lang="en-US" dirty="0" smtClean="0"/>
+            </a:br>
+            <a:endParaRPr lang="en-US" dirty="0"/>
+          </a:p>
+        </p:txBody>
+      </p:sp>
+      <p:sp>
+        <p:nvSpPr>
+          <p:cNvPr id="3" name="Content Placeholder 2"/>
+          <p:cNvSpPr>
+            <a:spLocks noGrp="1"/>
+          </p:cNvSpPr>
+          <p:nvPr>
+            <p:ph sz="quarter" idx="1"/>
+          </p:nvPr>
+        </p:nvSpPr>
+        <p:spPr/>
+        <p:txBody>
+          <a:bodyPr/>
+          <a:lstStyle/>
+          <a:p>
+            <a:r>
+              <a:rPr lang="en-US" dirty="0" smtClean="0"/>
+              <a:t>Loop control statements change execution from its normal sequence. When execution leaves a scope, all automatic objects that were created in that scope are destroyed.</a:t>
+            </a:r>
+          </a:p>
+          <a:p>
+            <a:r>
+              <a:rPr lang="en-US" dirty="0" smtClean="0"/>
+              <a:t>R supports the following control statements. Click the following links to check their detail.</a:t>
+            </a:r>
+          </a:p>
+          <a:p>
+            <a:endParaRPr lang="en-US" dirty="0"/>
+          </a:p>
+        </p:txBody>
+      </p:sp>
+    </p:spTree>
+  </p:cSld>
+  <p:clrMapOvr>
+    <a:masterClrMapping/>
+  </p:clrMapOvr>
+</p:sld>
+</file>
+
+<file path=ppt/slides/slide56.xml><?xml version="1.0" encoding="utf-8"?>
+<p:sld xmlns:a="http://schemas.openxmlformats.org/drawingml/2006/main" xmlns:r="http://schemas.openxmlformats.org/officeDocument/2006/relationships" xmlns:p="http://schemas.openxmlformats.org/presentationml/2006/main">
+  <p:cSld>
+    <p:spTree>
+      <p:nvGrpSpPr>
+        <p:cNvPr id="1" name=""/>
+        <p:cNvGrpSpPr/>
+        <p:nvPr/>
+      </p:nvGrpSpPr>
+      <p:grpSpPr>
+        <a:xfrm>
+          <a:off x="0" y="0"/>
+          <a:ext cx="0" cy="0"/>
+          <a:chOff x="0" y="0"/>
+          <a:chExt cx="0" cy="0"/>
+        </a:xfrm>
+      </p:grpSpPr>
+      <p:sp>
+        <p:nvSpPr>
+          <p:cNvPr id="2" name="Title 1"/>
+          <p:cNvSpPr>
+            <a:spLocks noGrp="1"/>
+          </p:cNvSpPr>
+          <p:nvPr>
+            <p:ph type="title"/>
+          </p:nvPr>
+        </p:nvSpPr>
+        <p:spPr/>
+        <p:txBody>
+          <a:bodyPr>
+            <a:normAutofit fontScale="90000"/>
+          </a:bodyPr>
+          <a:lstStyle/>
+          <a:p>
+            <a:r>
+              <a:rPr lang="en-US" dirty="0" smtClean="0"/>
+              <a:t>R - Break Statement</a:t>
+            </a:r>
+            <a:br>
+              <a:rPr lang="en-US" dirty="0" smtClean="0"/>
+            </a:br>
+            <a:endParaRPr lang="en-US" dirty="0"/>
+          </a:p>
+        </p:txBody>
+      </p:sp>
+      <p:sp>
+        <p:nvSpPr>
+          <p:cNvPr id="3" name="Content Placeholder 2"/>
+          <p:cNvSpPr>
+            <a:spLocks noGrp="1"/>
+          </p:cNvSpPr>
+          <p:nvPr>
+            <p:ph sz="quarter" idx="1"/>
+          </p:nvPr>
+        </p:nvSpPr>
+        <p:spPr/>
+        <p:txBody>
+          <a:bodyPr/>
+          <a:lstStyle/>
+          <a:p>
+            <a:r>
+              <a:rPr lang="en-US" dirty="0" smtClean="0"/>
+              <a:t>The break statement in R programming language has the following two usages −</a:t>
+            </a:r>
+          </a:p>
+          <a:p>
+            <a:r>
+              <a:rPr lang="en-US" dirty="0" smtClean="0"/>
+              <a:t>When the break statement is encountered inside a loop, the loop is immediately terminated and program control resumes at the next statement following the loop.</a:t>
+            </a:r>
+          </a:p>
+          <a:p>
+            <a:r>
+              <a:rPr lang="en-US" dirty="0" smtClean="0"/>
+              <a:t>It can be used to terminate a case in the switch statement (covered in the next chapter).</a:t>
+            </a:r>
+          </a:p>
+          <a:p>
+            <a:endParaRPr lang="en-US" dirty="0"/>
+          </a:p>
+        </p:txBody>
+      </p:sp>
+    </p:spTree>
+  </p:cSld>
+  <p:clrMapOvr>
+    <a:masterClrMapping/>
+  </p:clrMapOvr>
+</p:sld>
+</file>
+
+<file path=ppt/slides/slide57.xml><?xml version="1.0" encoding="utf-8"?>
+<p:sld xmlns:a="http://schemas.openxmlformats.org/drawingml/2006/main" xmlns:r="http://schemas.openxmlformats.org/officeDocument/2006/relationships" xmlns:p="http://schemas.openxmlformats.org/presentationml/2006/main">
+  <p:cSld>
+    <p:spTree>
+      <p:nvGrpSpPr>
+        <p:cNvPr id="1" name=""/>
+        <p:cNvGrpSpPr/>
+        <p:nvPr/>
+      </p:nvGrpSpPr>
+      <p:grpSpPr>
+        <a:xfrm>
+          <a:off x="0" y="0"/>
+          <a:ext cx="0" cy="0"/>
+          <a:chOff x="0" y="0"/>
+          <a:chExt cx="0" cy="0"/>
+        </a:xfrm>
+      </p:grpSpPr>
+      <p:sp>
+        <p:nvSpPr>
+          <p:cNvPr id="2" name="Title 1"/>
+          <p:cNvSpPr>
+            <a:spLocks noGrp="1"/>
+          </p:cNvSpPr>
+          <p:nvPr>
+            <p:ph type="title"/>
+          </p:nvPr>
+        </p:nvSpPr>
+        <p:spPr/>
+        <p:txBody>
+          <a:bodyPr/>
+          <a:lstStyle/>
+          <a:p>
+            <a:endParaRPr lang="en-US"/>
+          </a:p>
+        </p:txBody>
+      </p:sp>
+      <p:sp>
+        <p:nvSpPr>
+          <p:cNvPr id="3" name="Content Placeholder 2"/>
+          <p:cNvSpPr>
+            <a:spLocks noGrp="1"/>
+          </p:cNvSpPr>
+          <p:nvPr>
+            <p:ph sz="quarter" idx="1"/>
+          </p:nvPr>
+        </p:nvSpPr>
+        <p:spPr/>
+        <p:txBody>
+          <a:bodyPr/>
+          <a:lstStyle/>
+          <a:p>
+            <a:r>
+              <a:rPr lang="en-US" dirty="0" smtClean="0"/>
+              <a:t>v </a:t>
+            </a:r>
+            <a:r>
+              <a:rPr lang="en-US" dirty="0" smtClean="0"/>
+              <a:t>&lt;- c("</a:t>
+            </a:r>
+            <a:r>
+              <a:rPr lang="en-US" dirty="0" err="1" smtClean="0"/>
+              <a:t>Hello","loop</a:t>
+            </a:r>
+            <a:r>
+              <a:rPr lang="en-US" dirty="0" smtClean="0"/>
+              <a:t>") </a:t>
+            </a:r>
+            <a:endParaRPr lang="en-US" dirty="0" smtClean="0"/>
+          </a:p>
+          <a:p>
+            <a:r>
+              <a:rPr lang="en-US" dirty="0" err="1" smtClean="0"/>
+              <a:t>cnt</a:t>
+            </a:r>
+            <a:r>
+              <a:rPr lang="en-US" dirty="0" smtClean="0"/>
+              <a:t> </a:t>
+            </a:r>
+            <a:r>
+              <a:rPr lang="en-US" dirty="0" smtClean="0"/>
+              <a:t>&lt;- 2 </a:t>
+            </a:r>
+            <a:endParaRPr lang="en-US" dirty="0" smtClean="0"/>
+          </a:p>
+          <a:p>
+            <a:r>
+              <a:rPr lang="en-US" dirty="0" smtClean="0"/>
+              <a:t>repeat </a:t>
+            </a:r>
+            <a:r>
+              <a:rPr lang="en-US" dirty="0" smtClean="0"/>
+              <a:t>{ print(v) </a:t>
+            </a:r>
+            <a:endParaRPr lang="en-US" dirty="0" smtClean="0"/>
+          </a:p>
+          <a:p>
+            <a:r>
+              <a:rPr lang="en-US" dirty="0" err="1" smtClean="0"/>
+              <a:t>cnt</a:t>
+            </a:r>
+            <a:r>
+              <a:rPr lang="en-US" dirty="0" smtClean="0"/>
+              <a:t> </a:t>
+            </a:r>
+            <a:r>
+              <a:rPr lang="en-US" dirty="0" smtClean="0"/>
+              <a:t>&lt;- </a:t>
+            </a:r>
+            <a:r>
+              <a:rPr lang="en-US" dirty="0" err="1" smtClean="0"/>
+              <a:t>cnt</a:t>
+            </a:r>
+            <a:r>
+              <a:rPr lang="en-US" dirty="0" smtClean="0"/>
+              <a:t> + 1 </a:t>
+            </a:r>
+            <a:endParaRPr lang="en-US" dirty="0" smtClean="0"/>
+          </a:p>
+          <a:p>
+            <a:r>
+              <a:rPr lang="en-US" dirty="0" smtClean="0"/>
+              <a:t>if(</a:t>
+            </a:r>
+            <a:r>
+              <a:rPr lang="en-US" dirty="0" err="1" smtClean="0"/>
+              <a:t>cnt</a:t>
+            </a:r>
+            <a:r>
+              <a:rPr lang="en-US" dirty="0" smtClean="0"/>
+              <a:t> </a:t>
+            </a:r>
+            <a:r>
+              <a:rPr lang="en-US" dirty="0" smtClean="0"/>
+              <a:t>&gt; 5</a:t>
+            </a:r>
+            <a:r>
+              <a:rPr lang="en-US" dirty="0" smtClean="0"/>
+              <a:t>)</a:t>
+            </a:r>
+          </a:p>
+          <a:p>
+            <a:r>
+              <a:rPr lang="en-US" dirty="0" smtClean="0"/>
+              <a:t> </a:t>
+            </a:r>
+            <a:r>
+              <a:rPr lang="en-US" dirty="0" smtClean="0"/>
+              <a:t>{ </a:t>
+            </a:r>
+            <a:endParaRPr lang="en-US" dirty="0" smtClean="0"/>
+          </a:p>
+          <a:p>
+            <a:r>
+              <a:rPr lang="en-US" dirty="0" smtClean="0"/>
+              <a:t>Break</a:t>
+            </a:r>
+          </a:p>
+          <a:p>
+            <a:r>
+              <a:rPr lang="en-US" dirty="0" smtClean="0"/>
+              <a:t> </a:t>
+            </a:r>
+            <a:r>
+              <a:rPr lang="en-US" dirty="0" smtClean="0"/>
+              <a:t>} }</a:t>
+            </a:r>
+            <a:endParaRPr lang="en-US" dirty="0"/>
+          </a:p>
+        </p:txBody>
+      </p:sp>
+    </p:spTree>
+  </p:cSld>
+  <p:clrMapOvr>
+    <a:masterClrMapping/>
+  </p:clrMapOvr>
+</p:sld>
+</file>
+
+<file path=ppt/slides/slide58.xml><?xml version="1.0" encoding="utf-8"?>
+<p:sld xmlns:a="http://schemas.openxmlformats.org/drawingml/2006/main" xmlns:r="http://schemas.openxmlformats.org/officeDocument/2006/relationships" xmlns:p="http://schemas.openxmlformats.org/presentationml/2006/main">
+  <p:cSld>
+    <p:spTree>
+      <p:nvGrpSpPr>
+        <p:cNvPr id="1" name=""/>
+        <p:cNvGrpSpPr/>
+        <p:nvPr/>
+      </p:nvGrpSpPr>
+      <p:grpSpPr>
+        <a:xfrm>
+          <a:off x="0" y="0"/>
+          <a:ext cx="0" cy="0"/>
+          <a:chOff x="0" y="0"/>
+          <a:chExt cx="0" cy="0"/>
+        </a:xfrm>
+      </p:grpSpPr>
+      <p:sp>
+        <p:nvSpPr>
+          <p:cNvPr id="2" name="Title 1"/>
+          <p:cNvSpPr>
+            <a:spLocks noGrp="1"/>
+          </p:cNvSpPr>
+          <p:nvPr>
+            <p:ph type="title"/>
+          </p:nvPr>
+        </p:nvSpPr>
+        <p:spPr/>
+        <p:txBody>
+          <a:bodyPr/>
+          <a:lstStyle/>
+          <a:p>
+            <a:r>
+              <a:rPr lang="en-US" dirty="0" smtClean="0"/>
+              <a:t>Next STATEMENT</a:t>
+            </a:r>
+            <a:endParaRPr lang="en-US" dirty="0"/>
+          </a:p>
+        </p:txBody>
+      </p:sp>
+      <p:sp>
+        <p:nvSpPr>
+          <p:cNvPr id="3" name="Content Placeholder 2"/>
+          <p:cNvSpPr>
+            <a:spLocks noGrp="1"/>
+          </p:cNvSpPr>
+          <p:nvPr>
+            <p:ph sz="quarter" idx="1"/>
+          </p:nvPr>
+        </p:nvSpPr>
+        <p:spPr/>
+        <p:txBody>
+          <a:bodyPr/>
+          <a:lstStyle/>
+          <a:p>
+            <a:r>
+              <a:rPr lang="en-US" dirty="0" smtClean="0"/>
+              <a:t>The </a:t>
+            </a:r>
+            <a:r>
+              <a:rPr lang="en-US" b="1" dirty="0" smtClean="0"/>
+              <a:t>next</a:t>
+            </a:r>
+            <a:r>
+              <a:rPr lang="en-US" dirty="0" smtClean="0"/>
+              <a:t> statement in R programming language is useful when we want to skip the current iteration of a loop without terminating it. On encountering next, the R parser skips further evaluation and starts next iteration of the loop.</a:t>
+            </a:r>
+            <a:endParaRPr lang="en-US" dirty="0"/>
+          </a:p>
+        </p:txBody>
+      </p:sp>
+    </p:spTree>
+  </p:cSld>
+  <p:clrMapOvr>
+    <a:masterClrMapping/>
+  </p:clrMapOvr>
+</p:sld>
+</file>
+
+<file path=ppt/slides/slide59.xml><?xml version="1.0" encoding="utf-8"?>
+<p:sld xmlns:a="http://schemas.openxmlformats.org/drawingml/2006/main" xmlns:r="http://schemas.openxmlformats.org/officeDocument/2006/relationships" xmlns:p="http://schemas.openxmlformats.org/presentationml/2006/main">
+  <p:cSld>
+    <p:spTree>
+      <p:nvGrpSpPr>
+        <p:cNvPr id="1" name=""/>
+        <p:cNvGrpSpPr/>
+        <p:nvPr/>
+      </p:nvGrpSpPr>
+      <p:grpSpPr>
+        <a:xfrm>
+          <a:off x="0" y="0"/>
+          <a:ext cx="0" cy="0"/>
+          <a:chOff x="0" y="0"/>
+          <a:chExt cx="0" cy="0"/>
+        </a:xfrm>
+      </p:grpSpPr>
+      <p:sp>
+        <p:nvSpPr>
+          <p:cNvPr id="2" name="Title 1"/>
+          <p:cNvSpPr>
+            <a:spLocks noGrp="1"/>
+          </p:cNvSpPr>
+          <p:nvPr>
+            <p:ph type="title"/>
+          </p:nvPr>
+        </p:nvSpPr>
+        <p:spPr/>
+        <p:txBody>
+          <a:bodyPr/>
+          <a:lstStyle/>
+          <a:p>
+            <a:r>
+              <a:rPr lang="en-US" dirty="0" smtClean="0"/>
+              <a:t>Syntax of Next Statement</a:t>
+            </a:r>
+            <a:endParaRPr lang="en-US" dirty="0"/>
+          </a:p>
+        </p:txBody>
+      </p:sp>
+      <p:sp>
+        <p:nvSpPr>
+          <p:cNvPr id="3" name="Content Placeholder 2"/>
+          <p:cNvSpPr>
+            <a:spLocks noGrp="1"/>
+          </p:cNvSpPr>
+          <p:nvPr>
+            <p:ph sz="quarter" idx="1"/>
+          </p:nvPr>
+        </p:nvSpPr>
+        <p:spPr/>
+        <p:txBody>
+          <a:bodyPr/>
+          <a:lstStyle/>
+          <a:p>
+            <a:r>
+              <a:rPr lang="en-US" dirty="0" smtClean="0"/>
+              <a:t>Example</a:t>
+            </a:r>
+          </a:p>
+          <a:p>
+            <a:r>
+              <a:rPr lang="en-US" dirty="0" smtClean="0">
+                <a:hlinkClick r:id="rId2"/>
+              </a:rPr>
+              <a:t>Live Demo</a:t>
+            </a:r>
+            <a:endParaRPr lang="en-US" dirty="0" smtClean="0"/>
+          </a:p>
+          <a:p>
+            <a:r>
+              <a:rPr lang="en-US" dirty="0" smtClean="0"/>
+              <a:t>v &lt;- LETTERS[1:6] for ( </a:t>
+            </a:r>
+            <a:r>
+              <a:rPr lang="en-US" dirty="0" err="1" smtClean="0"/>
+              <a:t>i</a:t>
+            </a:r>
+            <a:r>
+              <a:rPr lang="en-US" dirty="0" smtClean="0"/>
+              <a:t> in v) { if (</a:t>
+            </a:r>
+            <a:r>
+              <a:rPr lang="en-US" dirty="0" err="1" smtClean="0"/>
+              <a:t>i</a:t>
+            </a:r>
+            <a:r>
+              <a:rPr lang="en-US" dirty="0" smtClean="0"/>
+              <a:t> == "D") { next } print(</a:t>
+            </a:r>
+            <a:r>
+              <a:rPr lang="en-US" dirty="0" err="1" smtClean="0"/>
+              <a:t>i</a:t>
+            </a:r>
+            <a:r>
+              <a:rPr lang="en-US" dirty="0" smtClean="0"/>
+              <a:t>) }When the above code is compiled and executed, it produces the following result −</a:t>
+            </a:r>
+          </a:p>
+          <a:p>
+            <a:r>
+              <a:rPr lang="en-US" dirty="0" smtClean="0"/>
+              <a:t>[1] "A" [1] "B" [1] "C" [1] "E" [1] "F"</a:t>
+            </a:r>
             <a:endParaRPr lang="en-US" dirty="0"/>
           </a:p>
         </p:txBody>
